--- a/5. API Development/Day 12/Slides/4. Using Swagger to test the Restful endpoints/using-swagger-to-test-the-restful-endpoints-slides.pptx
+++ b/5. API Development/Day 12/Slides/4. Using Swagger to test the Restful endpoints/using-swagger-to-test-the-restful-endpoints-slides.pptx
@@ -3169,7 +3169,7 @@
                 <a:latin typeface="Verdana" panose="020B0604030504040204"/>
                 <a:cs typeface="Verdana" panose="020B0604030504040204"/>
               </a:rPr>
-              <a:t>1. Swagger URL:</a:t>
+              <a:t>1. Swagger URL</a:t>
             </a:r>
             <a:endParaRPr lang="en-US" sz="2400" dirty="0">
               <a:solidFill>
